--- a/Red Team Project.pptx
+++ b/Red Team Project.pptx
@@ -41255,7 +41255,7 @@
         </p:nvSpPr>
         <p:spPr>
           <a:xfrm>
-            <a:off x="6418072" y="3483864"/>
+            <a:off x="6418072" y="3619478"/>
             <a:ext cx="6464808" cy="402336"/>
           </a:xfrm>
           <a:prstGeom prst="rect">
@@ -41670,7 +41670,7 @@
         </p:nvSpPr>
         <p:spPr>
           <a:xfrm>
-            <a:off x="6418072" y="3993090"/>
+            <a:off x="6418072" y="4021814"/>
             <a:ext cx="6464808" cy="1097280"/>
           </a:xfrm>
           <a:prstGeom prst="rect">
@@ -42063,7 +42063,7 @@
           <a:p>
             <a:r>
               <a:rPr lang="en-US" dirty="0"/>
-              <a:t> This product functions as a calendar, planner, and to-do list all in one </a:t>
+              <a:t>This product functions as a calendar, planner, and to-do list all in one </a:t>
             </a:r>
           </a:p>
           <a:p>
@@ -42280,39 +42280,7 @@
                   <a:srgbClr val="FFF4ED"/>
                 </a:solidFill>
               </a:rPr>
-              <a:t>the [Canvas API](https://</a:t>
-            </a:r>
-            <a:r>
-              <a:rPr lang="en-US" dirty="0" err="1">
-                <a:solidFill>
-                  <a:srgbClr val="FFF4ED"/>
-                </a:solidFill>
-              </a:rPr>
-              <a:t>canvas.instructure.com</a:t>
-            </a:r>
-            <a:r>
-              <a:rPr lang="en-US" dirty="0">
-                <a:solidFill>
-                  <a:srgbClr val="FFF4ED"/>
-                </a:solidFill>
-              </a:rPr>
-              <a:t>/doc/</a:t>
-            </a:r>
-            <a:r>
-              <a:rPr lang="en-US" dirty="0" err="1">
-                <a:solidFill>
-                  <a:srgbClr val="FFF4ED"/>
-                </a:solidFill>
-              </a:rPr>
-              <a:t>api</a:t>
-            </a:r>
-            <a:r>
-              <a:rPr lang="en-US" dirty="0">
-                <a:solidFill>
-                  <a:srgbClr val="FFF4ED"/>
-                </a:solidFill>
-              </a:rPr>
-              <a:t>/)</a:t>
+              <a:t>The Canvas API</a:t>
             </a:r>
             <a:endParaRPr lang="en-US" b="1" dirty="0"/>
           </a:p>
@@ -42523,7 +42491,7 @@
                   <a:srgbClr val="FFF4ED"/>
                 </a:solidFill>
               </a:rPr>
-              <a:t>There will also be an input/output area through the use of a command line interface, where the user can manually add events not reflected in the Canvas schedule</a:t>
+              <a:t>There will also be an input/output area through the use of a command line interface where the user can manually add events not reflected in the Canvas schedule</a:t>
             </a:r>
           </a:p>
         </p:txBody>
@@ -42581,13 +42549,8 @@
           <a:p>
             <a:r>
               <a:rPr lang="en-US" dirty="0"/>
-              <a:t>Challenge/</a:t>
+              <a:t>Challenge/Risk</a:t>
             </a:r>
-            <a:r>
-              <a:rPr lang="en-US" dirty="0" err="1"/>
-              <a:t>RIsk</a:t>
-            </a:r>
-            <a:endParaRPr lang="en-US" dirty="0"/>
           </a:p>
         </p:txBody>
       </p:sp>
